--- a/Renting_Immobile/wwwroot/exports/ExportVillaDetails.pptx
+++ b/Renting_Immobile/wwwroot/exports/ExportVillaDetails.pptx
@@ -106,7 +106,7 @@
   </p:defaultTextStyle>
   <p:extLst>
     <p:ext uri="{EFAFB233-063F-42B5-8137-9DF3F51BA10A}">
-      <p15:sldGuideLst xmlns:p15="http://schemas.microsoft.com/office/powerpoint/2012/main"/>
+      <p15:sldGuideLst xmlns:p15="http://schemas.microsoft.com/office/powerpoint/2012/main" xmlns=""/>
     </p:ext>
   </p:extLst>
 </p:presentation>
@@ -254,7 +254,7 @@
           <a:p>
             <a:fld id="{0B656A9B-1D5C-4773-96DA-59FFF9A0C685}" type="datetimeFigureOut">
               <a:rPr lang="en-US" dirty="0"/>
-              <a:t>7/4/2023</a:t>
+              <a:t>5/16/2024</a:t>
             </a:fld>
             <a:endParaRPr lang="en-US" dirty="0"/>
           </a:p>
@@ -306,7 +306,7 @@
           <a:p>
             <a:fld id="{71876A3B-FE14-4A6F-92A9-8051A7B84280}" type="slidenum">
               <a:rPr lang="en-US" dirty="0"/>
-              <a:t>‹#›</a:t>
+              <a:t>‹N°›</a:t>
             </a:fld>
             <a:endParaRPr lang="en-US" dirty="0"/>
           </a:p>
@@ -441,7 +441,7 @@
           <a:p>
             <a:fld id="{0B656A9B-1D5C-4773-96DA-59FFF9A0C685}" type="datetimeFigureOut">
               <a:rPr lang="en-US" dirty="0"/>
-              <a:t>7/4/2023</a:t>
+              <a:t>5/16/2024</a:t>
             </a:fld>
             <a:endParaRPr lang="en-US" dirty="0"/>
           </a:p>
@@ -493,7 +493,7 @@
           <a:p>
             <a:fld id="{71876A3B-FE14-4A6F-92A9-8051A7B84280}" type="slidenum">
               <a:rPr lang="en-US" dirty="0"/>
-              <a:t>‹#›</a:t>
+              <a:t>‹N°›</a:t>
             </a:fld>
             <a:endParaRPr lang="en-US" dirty="0"/>
           </a:p>
@@ -636,7 +636,7 @@
           <a:p>
             <a:fld id="{0B656A9B-1D5C-4773-96DA-59FFF9A0C685}" type="datetimeFigureOut">
               <a:rPr lang="en-US" dirty="0"/>
-              <a:t>7/4/2023</a:t>
+              <a:t>5/16/2024</a:t>
             </a:fld>
             <a:endParaRPr lang="en-US" dirty="0"/>
           </a:p>
@@ -688,7 +688,7 @@
           <a:p>
             <a:fld id="{71876A3B-FE14-4A6F-92A9-8051A7B84280}" type="slidenum">
               <a:rPr lang="en-US" dirty="0"/>
-              <a:t>‹#›</a:t>
+              <a:t>‹N°›</a:t>
             </a:fld>
             <a:endParaRPr lang="en-US" dirty="0"/>
           </a:p>
@@ -823,7 +823,7 @@
           <a:p>
             <a:fld id="{0B656A9B-1D5C-4773-96DA-59FFF9A0C685}" type="datetimeFigureOut">
               <a:rPr lang="en-US" dirty="0"/>
-              <a:t>7/4/2023</a:t>
+              <a:t>5/16/2024</a:t>
             </a:fld>
             <a:endParaRPr lang="en-US" dirty="0"/>
           </a:p>
@@ -875,7 +875,7 @@
           <a:p>
             <a:fld id="{71876A3B-FE14-4A6F-92A9-8051A7B84280}" type="slidenum">
               <a:rPr lang="en-US" dirty="0"/>
-              <a:t>‹#›</a:t>
+              <a:t>‹N°›</a:t>
             </a:fld>
             <a:endParaRPr lang="en-US" dirty="0"/>
           </a:p>
@@ -1085,7 +1085,7 @@
           <a:p>
             <a:fld id="{0B656A9B-1D5C-4773-96DA-59FFF9A0C685}" type="datetimeFigureOut">
               <a:rPr lang="en-US" dirty="0"/>
-              <a:t>7/4/2023</a:t>
+              <a:t>5/16/2024</a:t>
             </a:fld>
             <a:endParaRPr lang="en-US" dirty="0"/>
           </a:p>
@@ -1137,7 +1137,7 @@
           <a:p>
             <a:fld id="{71876A3B-FE14-4A6F-92A9-8051A7B84280}" type="slidenum">
               <a:rPr lang="en-US" dirty="0"/>
-              <a:t>‹#›</a:t>
+              <a:t>‹N°›</a:t>
             </a:fld>
             <a:endParaRPr lang="en-US" dirty="0"/>
           </a:p>
@@ -1335,7 +1335,7 @@
           <a:p>
             <a:fld id="{0B656A9B-1D5C-4773-96DA-59FFF9A0C685}" type="datetimeFigureOut">
               <a:rPr lang="en-US" dirty="0"/>
-              <a:t>7/4/2023</a:t>
+              <a:t>5/16/2024</a:t>
             </a:fld>
             <a:endParaRPr lang="en-US" dirty="0"/>
           </a:p>
@@ -1387,7 +1387,7 @@
           <a:p>
             <a:fld id="{71876A3B-FE14-4A6F-92A9-8051A7B84280}" type="slidenum">
               <a:rPr lang="en-US" dirty="0"/>
-              <a:t>‹#›</a:t>
+              <a:t>‹N°›</a:t>
             </a:fld>
             <a:endParaRPr lang="en-US" dirty="0"/>
           </a:p>
@@ -1725,7 +1725,7 @@
           <a:p>
             <a:fld id="{0B656A9B-1D5C-4773-96DA-59FFF9A0C685}" type="datetimeFigureOut">
               <a:rPr lang="en-US" dirty="0"/>
-              <a:t>7/4/2023</a:t>
+              <a:t>5/16/2024</a:t>
             </a:fld>
             <a:endParaRPr lang="en-US" dirty="0"/>
           </a:p>
@@ -1777,7 +1777,7 @@
           <a:p>
             <a:fld id="{71876A3B-FE14-4A6F-92A9-8051A7B84280}" type="slidenum">
               <a:rPr lang="en-US" dirty="0"/>
-              <a:t>‹#›</a:t>
+              <a:t>‹N°›</a:t>
             </a:fld>
             <a:endParaRPr lang="en-US" dirty="0"/>
           </a:p>
@@ -1857,7 +1857,7 @@
           <a:p>
             <a:fld id="{0B656A9B-1D5C-4773-96DA-59FFF9A0C685}" type="datetimeFigureOut">
               <a:rPr lang="en-US" dirty="0"/>
-              <a:t>7/4/2023</a:t>
+              <a:t>5/16/2024</a:t>
             </a:fld>
             <a:endParaRPr lang="en-US" dirty="0"/>
           </a:p>
@@ -1909,7 +1909,7 @@
           <a:p>
             <a:fld id="{71876A3B-FE14-4A6F-92A9-8051A7B84280}" type="slidenum">
               <a:rPr lang="en-US" dirty="0"/>
-              <a:t>‹#›</a:t>
+              <a:t>‹N°›</a:t>
             </a:fld>
             <a:endParaRPr lang="en-US" dirty="0"/>
           </a:p>
@@ -1962,7 +1962,7 @@
           <a:p>
             <a:fld id="{0B656A9B-1D5C-4773-96DA-59FFF9A0C685}" type="datetimeFigureOut">
               <a:rPr lang="en-US" dirty="0"/>
-              <a:t>7/4/2023</a:t>
+              <a:t>5/16/2024</a:t>
             </a:fld>
             <a:endParaRPr lang="en-US" dirty="0"/>
           </a:p>
@@ -2014,7 +2014,7 @@
           <a:p>
             <a:fld id="{71876A3B-FE14-4A6F-92A9-8051A7B84280}" type="slidenum">
               <a:rPr lang="en-US" dirty="0"/>
-              <a:t>‹#›</a:t>
+              <a:t>‹N°›</a:t>
             </a:fld>
             <a:endParaRPr lang="en-US" dirty="0"/>
           </a:p>
@@ -2257,7 +2257,7 @@
           <a:p>
             <a:fld id="{0B656A9B-1D5C-4773-96DA-59FFF9A0C685}" type="datetimeFigureOut">
               <a:rPr lang="en-US" dirty="0"/>
-              <a:t>7/4/2023</a:t>
+              <a:t>5/16/2024</a:t>
             </a:fld>
             <a:endParaRPr lang="en-US" dirty="0"/>
           </a:p>
@@ -2309,7 +2309,7 @@
           <a:p>
             <a:fld id="{71876A3B-FE14-4A6F-92A9-8051A7B84280}" type="slidenum">
               <a:rPr lang="en-US" dirty="0"/>
-              <a:t>‹#›</a:t>
+              <a:t>‹N°›</a:t>
             </a:fld>
             <a:endParaRPr lang="en-US" dirty="0"/>
           </a:p>
@@ -2530,7 +2530,7 @@
           <a:p>
             <a:fld id="{0B656A9B-1D5C-4773-96DA-59FFF9A0C685}" type="datetimeFigureOut">
               <a:rPr lang="en-US" dirty="0"/>
-              <a:t>7/4/2023</a:t>
+              <a:t>5/16/2024</a:t>
             </a:fld>
             <a:endParaRPr lang="en-US" dirty="0"/>
           </a:p>
@@ -2582,7 +2582,7 @@
           <a:p>
             <a:fld id="{71876A3B-FE14-4A6F-92A9-8051A7B84280}" type="slidenum">
               <a:rPr lang="en-US" dirty="0"/>
-              <a:t>‹#›</a:t>
+              <a:t>‹N°›</a:t>
             </a:fld>
             <a:endParaRPr lang="en-US" dirty="0"/>
           </a:p>
@@ -2760,7 +2760,7 @@
           <a:p>
             <a:fld id="{0B656A9B-1D5C-4773-96DA-59FFF9A0C685}" type="datetimeFigureOut">
               <a:rPr lang="en-US" dirty="0"/>
-              <a:t>7/4/2023</a:t>
+              <a:t>5/16/2024</a:t>
             </a:fld>
             <a:endParaRPr lang="en-US" dirty="0"/>
           </a:p>
@@ -2846,7 +2846,7 @@
           <a:p>
             <a:fld id="{71876A3B-FE14-4A6F-92A9-8051A7B84280}" type="slidenum">
               <a:rPr lang="en-US" dirty="0"/>
-              <a:t>‹#›</a:t>
+              <a:t>‹N°›</a:t>
             </a:fld>
             <a:endParaRPr lang="en-US" dirty="0"/>
           </a:p>
@@ -3289,13 +3289,22 @@
           <a:p>
             <a:pPr algn="r" defTabSz="914400"/>
             <a:r>
+              <a:rPr lang="en-US" sz="1400" smtClean="0">
+                <a:solidFill>
+                  <a:srgbClr val="ADB5BD"/>
+                </a:solidFill>
+                <a:latin typeface="system-ui"/>
+              </a:rPr>
+              <a:t>Size</a:t>
+            </a:r>
+            <a:r>
               <a:rPr lang="en-US" sz="1400" dirty="0">
                 <a:solidFill>
                   <a:srgbClr val="ADB5BD"/>
                 </a:solidFill>
                 <a:latin typeface="system-ui"/>
               </a:rPr>
-              <a:t>Villa Size: 550 sqft</a:t>
+              <a:t>: 550 sqft</a:t>
             </a:r>
           </a:p>
         </p:txBody>
@@ -3539,7 +3548,7 @@
           <p:cNvPr id="5" name="txtVillaAmenitiesHeading">
             <a:extLst>
               <a:ext uri="{FF2B5EF4-FFF2-40B4-BE49-F238E27FC236}">
-                <a16:creationId xmlns:a16="http://schemas.microsoft.com/office/drawing/2014/main" id="{999D50DA-48A9-89E6-DD98-EC435EEA7B45}"/>
+                <a16:creationId xmlns:a16="http://schemas.microsoft.com/office/drawing/2014/main" xmlns="" id="{999D50DA-48A9-89E6-DD98-EC435EEA7B45}"/>
               </a:ext>
             </a:extLst>
           </p:cNvPr>
